--- a/Презентация_проекта/Питч.pptx
+++ b/Презентация_проекта/Питч.pptx
@@ -5,10 +5,11 @@
     <p:sldMasterId id="2147483648" r:id="rId1"/>
   </p:sldMasterIdLst>
   <p:notesMasterIdLst>
-    <p:notesMasterId r:id="rId3"/>
+    <p:notesMasterId r:id="rId4"/>
   </p:notesMasterIdLst>
   <p:sldIdLst>
     <p:sldId id="258" r:id="rId2"/>
+    <p:sldId id="260" r:id="rId3"/>
   </p:sldIdLst>
   <p:sldSz cx="9144000" cy="6858000" type="screen4x3"/>
   <p:notesSz cx="6858000" cy="9144000"/>
@@ -192,7 +193,7 @@
           <a:p>
             <a:fld id="{4C066E39-A4A7-42D8-8443-919C3F9BBF78}" type="datetimeFigureOut">
               <a:rPr lang="ru-RU" smtClean="0"/>
-              <a:t>05.06.2020</a:t>
+              <a:t>11.06.2020</a:t>
             </a:fld>
             <a:endParaRPr lang="ru-RU"/>
           </a:p>
@@ -564,6 +565,110 @@
 </p:notes>
 </file>
 
+<file path=ppt/notesSlides/notesSlide2.xml><?xml version="1.0" encoding="utf-8"?>
+<p:notes xmlns:a="http://schemas.openxmlformats.org/drawingml/2006/main" xmlns:r="http://schemas.openxmlformats.org/officeDocument/2006/relationships" xmlns:p="http://schemas.openxmlformats.org/presentationml/2006/main" showMasterSp="0" showMasterPhAnim="0">
+  <p:cSld>
+    <p:spTree>
+      <p:nvGrpSpPr>
+        <p:cNvPr id="1" name="Shape 254"/>
+        <p:cNvGrpSpPr/>
+        <p:nvPr/>
+      </p:nvGrpSpPr>
+      <p:grpSpPr>
+        <a:xfrm>
+          <a:off x="0" y="0"/>
+          <a:ext cx="0" cy="0"/>
+          <a:chOff x="0" y="0"/>
+          <a:chExt cx="0" cy="0"/>
+        </a:xfrm>
+      </p:grpSpPr>
+      <p:sp>
+        <p:nvSpPr>
+          <p:cNvPr id="255" name="Google Shape;255;g7f5a855915_0_266:notes"/>
+          <p:cNvSpPr>
+            <a:spLocks noGrp="1" noRot="1" noChangeAspect="1"/>
+          </p:cNvSpPr>
+          <p:nvPr>
+            <p:ph type="sldImg" idx="2"/>
+          </p:nvPr>
+        </p:nvSpPr>
+        <p:spPr>
+          <a:xfrm>
+            <a:off x="1143000" y="685800"/>
+            <a:ext cx="4572000" cy="3429000"/>
+          </a:xfrm>
+          <a:custGeom>
+            <a:avLst/>
+            <a:gdLst/>
+            <a:ahLst/>
+            <a:cxnLst/>
+            <a:rect l="l" t="t" r="r" b="b"/>
+            <a:pathLst>
+              <a:path w="120000" h="120000" extrusionOk="0">
+                <a:moveTo>
+                  <a:pt x="0" y="0"/>
+                </a:moveTo>
+                <a:lnTo>
+                  <a:pt x="120000" y="0"/>
+                </a:lnTo>
+                <a:lnTo>
+                  <a:pt x="120000" y="120000"/>
+                </a:lnTo>
+                <a:lnTo>
+                  <a:pt x="0" y="120000"/>
+                </a:lnTo>
+                <a:close/>
+              </a:path>
+            </a:pathLst>
+          </a:custGeom>
+        </p:spPr>
+      </p:sp>
+      <p:sp>
+        <p:nvSpPr>
+          <p:cNvPr id="256" name="Google Shape;256;g7f5a855915_0_266:notes"/>
+          <p:cNvSpPr txBox="1">
+            <a:spLocks noGrp="1"/>
+          </p:cNvSpPr>
+          <p:nvPr>
+            <p:ph type="body" idx="1"/>
+          </p:nvPr>
+        </p:nvSpPr>
+        <p:spPr>
+          <a:xfrm>
+            <a:off x="685800" y="4343400"/>
+            <a:ext cx="5486400" cy="4114800"/>
+          </a:xfrm>
+          <a:prstGeom prst="rect">
+            <a:avLst/>
+          </a:prstGeom>
+        </p:spPr>
+        <p:txBody>
+          <a:bodyPr spcFirstLastPara="1" wrap="square" lIns="91425" tIns="91425" rIns="91425" bIns="91425" anchor="t" anchorCtr="0">
+            <a:noAutofit/>
+          </a:bodyPr>
+          <a:lstStyle/>
+          <a:p>
+            <a:pPr marL="0" lvl="0" indent="0" algn="l" rtl="0">
+              <a:spcBef>
+                <a:spcPts val="0"/>
+              </a:spcBef>
+              <a:spcAft>
+                <a:spcPts val="0"/>
+              </a:spcAft>
+              <a:buNone/>
+            </a:pPr>
+            <a:endParaRPr/>
+          </a:p>
+        </p:txBody>
+      </p:sp>
+    </p:spTree>
+  </p:cSld>
+  <p:clrMapOvr>
+    <a:masterClrMapping/>
+  </p:clrMapOvr>
+</p:notes>
+</file>
+
 <file path=ppt/slideLayouts/slideLayout1.xml><?xml version="1.0" encoding="utf-8"?>
 <p:sldLayout xmlns:a="http://schemas.openxmlformats.org/drawingml/2006/main" xmlns:r="http://schemas.openxmlformats.org/officeDocument/2006/relationships" xmlns:p="http://schemas.openxmlformats.org/presentationml/2006/main" type="title" preserve="1">
   <p:cSld name="Титульный слайд">
@@ -745,7 +850,7 @@
           <a:p>
             <a:fld id="{7C366EDF-1D62-43C4-9CCC-E2E05E8AA54C}" type="datetimeFigureOut">
               <a:rPr lang="ru-RU" smtClean="0"/>
-              <a:t>05.06.2020</a:t>
+              <a:t>11.06.2020</a:t>
             </a:fld>
             <a:endParaRPr lang="ru-RU"/>
           </a:p>
@@ -915,7 +1020,7 @@
           <a:p>
             <a:fld id="{7C366EDF-1D62-43C4-9CCC-E2E05E8AA54C}" type="datetimeFigureOut">
               <a:rPr lang="ru-RU" smtClean="0"/>
-              <a:t>05.06.2020</a:t>
+              <a:t>11.06.2020</a:t>
             </a:fld>
             <a:endParaRPr lang="ru-RU"/>
           </a:p>
@@ -1095,7 +1200,7 @@
           <a:p>
             <a:fld id="{7C366EDF-1D62-43C4-9CCC-E2E05E8AA54C}" type="datetimeFigureOut">
               <a:rPr lang="ru-RU" smtClean="0"/>
-              <a:t>05.06.2020</a:t>
+              <a:t>11.06.2020</a:t>
             </a:fld>
             <a:endParaRPr lang="ru-RU"/>
           </a:p>
@@ -1231,7 +1336,7 @@
   </p:clrMapOvr>
   <p:extLst>
     <p:ext uri="{DCECCB84-F9BA-43D5-87BE-67443E8EF086}">
-      <p15:sldGuideLst xmlns:p15="http://schemas.microsoft.com/office/powerpoint/2012/main" xmlns:p14="http://schemas.microsoft.com/office/powerpoint/2010/main" xmlns:com="http://schemas.openxmlformats.org/drawingml/2006/compatibility" xmlns:pvml="urn:schemas-microsoft-com:office:powerpoint" xmlns:v="urn:schemas-microsoft-com:vml" xmlns:o="urn:schemas-microsoft-com:office:office" xmlns:dgm="http://schemas.openxmlformats.org/drawingml/2006/diagram" xmlns:c="http://schemas.openxmlformats.org/drawingml/2006/chart" xmlns:mv="urn:schemas-microsoft-com:mac:vml" xmlns:mc="http://schemas.openxmlformats.org/markup-compatibility/2006" xmlns="">
+      <p15:sldGuideLst xmlns="" xmlns:mc="http://schemas.openxmlformats.org/markup-compatibility/2006" xmlns:mv="urn:schemas-microsoft-com:mac:vml" xmlns:c="http://schemas.openxmlformats.org/drawingml/2006/chart" xmlns:dgm="http://schemas.openxmlformats.org/drawingml/2006/diagram" xmlns:o="urn:schemas-microsoft-com:office:office" xmlns:v="urn:schemas-microsoft-com:vml" xmlns:pvml="urn:schemas-microsoft-com:office:powerpoint" xmlns:com="http://schemas.openxmlformats.org/drawingml/2006/compatibility" xmlns:p14="http://schemas.microsoft.com/office/powerpoint/2010/main" xmlns:p15="http://schemas.microsoft.com/office/powerpoint/2012/main">
         <p15:guide id="1" pos="2993">
           <p15:clr>
             <a:schemeClr val="accent4"/>
@@ -1457,7 +1562,7 @@
           <a:p>
             <a:fld id="{7C366EDF-1D62-43C4-9CCC-E2E05E8AA54C}" type="datetimeFigureOut">
               <a:rPr lang="ru-RU" smtClean="0"/>
-              <a:t>05.06.2020</a:t>
+              <a:t>11.06.2020</a:t>
             </a:fld>
             <a:endParaRPr lang="ru-RU"/>
           </a:p>
@@ -1703,7 +1808,7 @@
           <a:p>
             <a:fld id="{7C366EDF-1D62-43C4-9CCC-E2E05E8AA54C}" type="datetimeFigureOut">
               <a:rPr lang="ru-RU" smtClean="0"/>
-              <a:t>05.06.2020</a:t>
+              <a:t>11.06.2020</a:t>
             </a:fld>
             <a:endParaRPr lang="ru-RU"/>
           </a:p>
@@ -1991,7 +2096,7 @@
           <a:p>
             <a:fld id="{7C366EDF-1D62-43C4-9CCC-E2E05E8AA54C}" type="datetimeFigureOut">
               <a:rPr lang="ru-RU" smtClean="0"/>
-              <a:t>05.06.2020</a:t>
+              <a:t>11.06.2020</a:t>
             </a:fld>
             <a:endParaRPr lang="ru-RU"/>
           </a:p>
@@ -2413,7 +2518,7 @@
           <a:p>
             <a:fld id="{7C366EDF-1D62-43C4-9CCC-E2E05E8AA54C}" type="datetimeFigureOut">
               <a:rPr lang="ru-RU" smtClean="0"/>
-              <a:t>05.06.2020</a:t>
+              <a:t>11.06.2020</a:t>
             </a:fld>
             <a:endParaRPr lang="ru-RU"/>
           </a:p>
@@ -2531,7 +2636,7 @@
           <a:p>
             <a:fld id="{7C366EDF-1D62-43C4-9CCC-E2E05E8AA54C}" type="datetimeFigureOut">
               <a:rPr lang="ru-RU" smtClean="0"/>
-              <a:t>05.06.2020</a:t>
+              <a:t>11.06.2020</a:t>
             </a:fld>
             <a:endParaRPr lang="ru-RU"/>
           </a:p>
@@ -2626,7 +2731,7 @@
           <a:p>
             <a:fld id="{7C366EDF-1D62-43C4-9CCC-E2E05E8AA54C}" type="datetimeFigureOut">
               <a:rPr lang="ru-RU" smtClean="0"/>
-              <a:t>05.06.2020</a:t>
+              <a:t>11.06.2020</a:t>
             </a:fld>
             <a:endParaRPr lang="ru-RU"/>
           </a:p>
@@ -2903,7 +3008,7 @@
           <a:p>
             <a:fld id="{7C366EDF-1D62-43C4-9CCC-E2E05E8AA54C}" type="datetimeFigureOut">
               <a:rPr lang="ru-RU" smtClean="0"/>
-              <a:t>05.06.2020</a:t>
+              <a:t>11.06.2020</a:t>
             </a:fld>
             <a:endParaRPr lang="ru-RU"/>
           </a:p>
@@ -3156,7 +3261,7 @@
           <a:p>
             <a:fld id="{7C366EDF-1D62-43C4-9CCC-E2E05E8AA54C}" type="datetimeFigureOut">
               <a:rPr lang="ru-RU" smtClean="0"/>
-              <a:t>05.06.2020</a:t>
+              <a:t>11.06.2020</a:t>
             </a:fld>
             <a:endParaRPr lang="ru-RU"/>
           </a:p>
@@ -3369,7 +3474,7 @@
           <a:p>
             <a:fld id="{7C366EDF-1D62-43C4-9CCC-E2E05E8AA54C}" type="datetimeFigureOut">
               <a:rPr lang="ru-RU" smtClean="0"/>
-              <a:t>05.06.2020</a:t>
+              <a:t>11.06.2020</a:t>
             </a:fld>
             <a:endParaRPr lang="ru-RU"/>
           </a:p>
@@ -4297,8 +4402,8 @@
         </p:nvSpPr>
         <p:spPr>
           <a:xfrm>
-            <a:off x="367325" y="1209168"/>
-            <a:ext cx="7376700" cy="2654384"/>
+            <a:off x="367325" y="1209167"/>
+            <a:ext cx="7376700" cy="5135185"/>
           </a:xfrm>
           <a:prstGeom prst="rect">
             <a:avLst/>
@@ -4531,7 +4636,22 @@
                 <a:cs typeface="Montserrat"/>
                 <a:sym typeface="Montserrat"/>
               </a:rPr>
-              <a:t>     2) Возможность обратной связи с   аудиторией</a:t>
+              <a:t>     2) Возможность обратной связи с   </a:t>
+            </a:r>
+            <a:r>
+              <a:rPr lang="ru-RU" sz="2400" dirty="0" smtClean="0">
+                <a:solidFill>
+                  <a:schemeClr val="dk1"/>
+                </a:solidFill>
+                <a:highlight>
+                  <a:srgbClr val="FFFFFF"/>
+                </a:highlight>
+                <a:latin typeface="Montserrat"/>
+                <a:ea typeface="Montserrat"/>
+                <a:cs typeface="Montserrat"/>
+                <a:sym typeface="Montserrat"/>
+              </a:rPr>
+              <a:t>  аудиторией</a:t>
             </a:r>
             <a:endParaRPr lang="ru-RU" sz="2400" dirty="0">
               <a:solidFill>
@@ -4748,6 +4868,836 @@
     <p:extLst>
       <p:ext uri="{BB962C8B-B14F-4D97-AF65-F5344CB8AC3E}">
         <p14:creationId xmlns:p14="http://schemas.microsoft.com/office/powerpoint/2010/main" val="1038024038"/>
+      </p:ext>
+    </p:extLst>
+  </p:cSld>
+  <p:clrMapOvr>
+    <a:masterClrMapping/>
+  </p:clrMapOvr>
+</p:sld>
+</file>
+
+<file path=ppt/slides/slide2.xml><?xml version="1.0" encoding="utf-8"?>
+<p:sld xmlns:a="http://schemas.openxmlformats.org/drawingml/2006/main" xmlns:r="http://schemas.openxmlformats.org/officeDocument/2006/relationships" xmlns:p="http://schemas.openxmlformats.org/presentationml/2006/main">
+  <p:cSld>
+    <p:spTree>
+      <p:nvGrpSpPr>
+        <p:cNvPr id="1" name="Shape 257"/>
+        <p:cNvGrpSpPr/>
+        <p:nvPr/>
+      </p:nvGrpSpPr>
+      <p:grpSpPr>
+        <a:xfrm>
+          <a:off x="0" y="0"/>
+          <a:ext cx="0" cy="0"/>
+          <a:chOff x="0" y="0"/>
+          <a:chExt cx="0" cy="0"/>
+        </a:xfrm>
+      </p:grpSpPr>
+      <p:sp>
+        <p:nvSpPr>
+          <p:cNvPr id="258" name="Google Shape;258;p37"/>
+          <p:cNvSpPr txBox="1"/>
+          <p:nvPr/>
+        </p:nvSpPr>
+        <p:spPr>
+          <a:xfrm>
+            <a:off x="360000" y="410533"/>
+            <a:ext cx="7065300" cy="1134400"/>
+          </a:xfrm>
+          <a:prstGeom prst="rect">
+            <a:avLst/>
+          </a:prstGeom>
+          <a:noFill/>
+          <a:ln>
+            <a:noFill/>
+          </a:ln>
+        </p:spPr>
+        <p:txBody>
+          <a:bodyPr spcFirstLastPara="1" wrap="square" lIns="0" tIns="0" rIns="0" bIns="0" anchor="t" anchorCtr="0">
+            <a:noAutofit/>
+          </a:bodyPr>
+          <a:lstStyle/>
+          <a:p>
+            <a:pPr marL="0" lvl="0" indent="0" algn="l" rtl="0">
+              <a:spcBef>
+                <a:spcPts val="0"/>
+              </a:spcBef>
+              <a:spcAft>
+                <a:spcPts val="0"/>
+              </a:spcAft>
+              <a:buClr>
+                <a:srgbClr val="000000"/>
+              </a:buClr>
+              <a:buSzPts val="1100"/>
+              <a:buFont typeface="Arial"/>
+              <a:buNone/>
+            </a:pPr>
+            <a:r>
+              <a:rPr lang="ru-RU" sz="3000" dirty="0" smtClean="0">
+                <a:latin typeface="Montserrat ExtraBold"/>
+                <a:ea typeface="Montserrat ExtraBold"/>
+                <a:cs typeface="Montserrat ExtraBold"/>
+                <a:sym typeface="Montserrat ExtraBold"/>
+              </a:rPr>
+              <a:t>Дополнительный функционал</a:t>
+            </a:r>
+            <a:endParaRPr sz="3000" dirty="0">
+              <a:latin typeface="Montserrat ExtraBold"/>
+              <a:ea typeface="Montserrat ExtraBold"/>
+              <a:cs typeface="Montserrat ExtraBold"/>
+              <a:sym typeface="Montserrat ExtraBold"/>
+            </a:endParaRPr>
+          </a:p>
+        </p:txBody>
+      </p:sp>
+      <p:grpSp>
+        <p:nvGrpSpPr>
+          <p:cNvPr id="259" name="Google Shape;259;p37"/>
+          <p:cNvGrpSpPr/>
+          <p:nvPr/>
+        </p:nvGrpSpPr>
+        <p:grpSpPr>
+          <a:xfrm>
+            <a:off x="7814798" y="233553"/>
+            <a:ext cx="1162236" cy="6398433"/>
+            <a:chOff x="4572000" y="241250"/>
+            <a:chExt cx="1263300" cy="4798825"/>
+          </a:xfrm>
+        </p:grpSpPr>
+        <p:sp>
+          <p:nvSpPr>
+            <p:cNvPr id="260" name="Google Shape;260;p37"/>
+            <p:cNvSpPr/>
+            <p:nvPr/>
+          </p:nvSpPr>
+          <p:spPr>
+            <a:xfrm>
+              <a:off x="4572000" y="241250"/>
+              <a:ext cx="1263300" cy="4583100"/>
+            </a:xfrm>
+            <a:prstGeom prst="roundRect">
+              <a:avLst>
+                <a:gd name="adj" fmla="val 8055"/>
+              </a:avLst>
+            </a:prstGeom>
+            <a:solidFill>
+              <a:schemeClr val="accent5"/>
+            </a:solidFill>
+            <a:ln>
+              <a:noFill/>
+            </a:ln>
+          </p:spPr>
+          <p:txBody>
+            <a:bodyPr spcFirstLastPara="1" wrap="square" lIns="91425" tIns="91425" rIns="91425" bIns="91425" anchor="ctr" anchorCtr="0">
+              <a:noAutofit/>
+            </a:bodyPr>
+            <a:lstStyle/>
+            <a:p>
+              <a:pPr marL="0" lvl="0" indent="0" algn="l" rtl="0">
+                <a:spcBef>
+                  <a:spcPts val="0"/>
+                </a:spcBef>
+                <a:spcAft>
+                  <a:spcPts val="0"/>
+                </a:spcAft>
+                <a:buNone/>
+              </a:pPr>
+              <a:endParaRPr/>
+            </a:p>
+          </p:txBody>
+        </p:sp>
+        <p:sp>
+          <p:nvSpPr>
+            <p:cNvPr id="261" name="Google Shape;261;p37"/>
+            <p:cNvSpPr/>
+            <p:nvPr/>
+          </p:nvSpPr>
+          <p:spPr>
+            <a:xfrm>
+              <a:off x="4684800" y="4700200"/>
+              <a:ext cx="657275" cy="339875"/>
+            </a:xfrm>
+            <a:prstGeom prst="flowChartMerge">
+              <a:avLst/>
+            </a:prstGeom>
+            <a:solidFill>
+              <a:schemeClr val="accent5"/>
+            </a:solidFill>
+            <a:ln>
+              <a:noFill/>
+            </a:ln>
+          </p:spPr>
+          <p:txBody>
+            <a:bodyPr spcFirstLastPara="1" wrap="square" lIns="91425" tIns="91425" rIns="91425" bIns="91425" anchor="ctr" anchorCtr="0">
+              <a:noAutofit/>
+            </a:bodyPr>
+            <a:lstStyle/>
+            <a:p>
+              <a:pPr marL="0" lvl="0" indent="0" algn="l" rtl="0">
+                <a:spcBef>
+                  <a:spcPts val="0"/>
+                </a:spcBef>
+                <a:spcAft>
+                  <a:spcPts val="0"/>
+                </a:spcAft>
+                <a:buNone/>
+              </a:pPr>
+              <a:endParaRPr/>
+            </a:p>
+          </p:txBody>
+        </p:sp>
+      </p:grpSp>
+      <p:sp>
+        <p:nvSpPr>
+          <p:cNvPr id="262" name="Google Shape;262;p37"/>
+          <p:cNvSpPr txBox="1"/>
+          <p:nvPr/>
+        </p:nvSpPr>
+        <p:spPr>
+          <a:xfrm rot="-5400000">
+            <a:off x="5986900" y="3642867"/>
+            <a:ext cx="4316800" cy="611400"/>
+          </a:xfrm>
+          <a:prstGeom prst="rect">
+            <a:avLst/>
+          </a:prstGeom>
+          <a:noFill/>
+          <a:ln>
+            <a:noFill/>
+          </a:ln>
+        </p:spPr>
+        <p:txBody>
+          <a:bodyPr spcFirstLastPara="1" wrap="square" lIns="91425" tIns="91425" rIns="91425" bIns="91425" anchor="t" anchorCtr="0">
+            <a:noAutofit/>
+          </a:bodyPr>
+          <a:lstStyle/>
+          <a:p>
+            <a:pPr marL="0" lvl="0" indent="0" algn="l" rtl="0">
+              <a:spcBef>
+                <a:spcPts val="0"/>
+              </a:spcBef>
+              <a:spcAft>
+                <a:spcPts val="0"/>
+              </a:spcAft>
+              <a:buClr>
+                <a:schemeClr val="dk1"/>
+              </a:buClr>
+              <a:buSzPts val="1100"/>
+              <a:buFont typeface="Arial"/>
+              <a:buNone/>
+            </a:pPr>
+            <a:r>
+              <a:rPr lang="en" sz="1800" b="1">
+                <a:solidFill>
+                  <a:schemeClr val="lt1"/>
+                </a:solidFill>
+                <a:latin typeface="Montserrat"/>
+                <a:ea typeface="Montserrat"/>
+                <a:cs typeface="Montserrat"/>
+                <a:sym typeface="Montserrat"/>
+              </a:rPr>
+              <a:t>Составление</a:t>
+            </a:r>
+            <a:br>
+              <a:rPr lang="en" sz="1800" b="1">
+                <a:solidFill>
+                  <a:schemeClr val="lt1"/>
+                </a:solidFill>
+                <a:latin typeface="Montserrat"/>
+                <a:ea typeface="Montserrat"/>
+                <a:cs typeface="Montserrat"/>
+                <a:sym typeface="Montserrat"/>
+              </a:rPr>
+            </a:br>
+            <a:r>
+              <a:rPr lang="en" sz="1800" b="1">
+                <a:solidFill>
+                  <a:schemeClr val="lt1"/>
+                </a:solidFill>
+                <a:latin typeface="Montserrat"/>
+                <a:ea typeface="Montserrat"/>
+                <a:cs typeface="Montserrat"/>
+                <a:sym typeface="Montserrat"/>
+              </a:rPr>
+              <a:t>питча</a:t>
+            </a:r>
+            <a:endParaRPr sz="1800" b="1">
+              <a:solidFill>
+                <a:srgbClr val="FFFFFF"/>
+              </a:solidFill>
+              <a:latin typeface="Montserrat"/>
+              <a:ea typeface="Montserrat"/>
+              <a:cs typeface="Montserrat"/>
+              <a:sym typeface="Montserrat"/>
+            </a:endParaRPr>
+          </a:p>
+        </p:txBody>
+      </p:sp>
+      <p:pic>
+        <p:nvPicPr>
+          <p:cNvPr id="263" name="Google Shape;263;p37"/>
+          <p:cNvPicPr preferRelativeResize="0"/>
+          <p:nvPr/>
+        </p:nvPicPr>
+        <p:blipFill>
+          <a:blip r:embed="rId3">
+            <a:alphaModFix/>
+          </a:blip>
+          <a:stretch>
+            <a:fillRect/>
+          </a:stretch>
+        </p:blipFill>
+        <p:spPr>
+          <a:xfrm>
+            <a:off x="8678051" y="3355566"/>
+            <a:ext cx="211887" cy="371233"/>
+          </a:xfrm>
+          <a:prstGeom prst="rect">
+            <a:avLst/>
+          </a:prstGeom>
+          <a:noFill/>
+          <a:ln>
+            <a:noFill/>
+          </a:ln>
+        </p:spPr>
+      </p:pic>
+      <p:sp>
+        <p:nvSpPr>
+          <p:cNvPr id="264" name="Google Shape;264;p37"/>
+          <p:cNvSpPr/>
+          <p:nvPr/>
+        </p:nvSpPr>
+        <p:spPr>
+          <a:xfrm>
+            <a:off x="8784000" y="3837151"/>
+            <a:ext cx="192900" cy="26400"/>
+          </a:xfrm>
+          <a:prstGeom prst="rect">
+            <a:avLst/>
+          </a:prstGeom>
+          <a:solidFill>
+            <a:schemeClr val="lt2"/>
+          </a:solidFill>
+          <a:ln>
+            <a:noFill/>
+          </a:ln>
+        </p:spPr>
+        <p:txBody>
+          <a:bodyPr spcFirstLastPara="1" wrap="square" lIns="91425" tIns="91425" rIns="91425" bIns="91425" anchor="ctr" anchorCtr="0">
+            <a:noAutofit/>
+          </a:bodyPr>
+          <a:lstStyle/>
+          <a:p>
+            <a:pPr marL="0" lvl="0" indent="0" algn="l" rtl="0">
+              <a:spcBef>
+                <a:spcPts val="0"/>
+              </a:spcBef>
+              <a:spcAft>
+                <a:spcPts val="0"/>
+              </a:spcAft>
+              <a:buNone/>
+            </a:pPr>
+            <a:endParaRPr/>
+          </a:p>
+        </p:txBody>
+      </p:sp>
+      <p:sp>
+        <p:nvSpPr>
+          <p:cNvPr id="265" name="Google Shape;265;p37"/>
+          <p:cNvSpPr/>
+          <p:nvPr/>
+        </p:nvSpPr>
+        <p:spPr>
+          <a:xfrm>
+            <a:off x="8784000" y="4258517"/>
+            <a:ext cx="192900" cy="26400"/>
+          </a:xfrm>
+          <a:prstGeom prst="rect">
+            <a:avLst/>
+          </a:prstGeom>
+          <a:solidFill>
+            <a:schemeClr val="lt2"/>
+          </a:solidFill>
+          <a:ln>
+            <a:noFill/>
+          </a:ln>
+        </p:spPr>
+        <p:txBody>
+          <a:bodyPr spcFirstLastPara="1" wrap="square" lIns="91425" tIns="91425" rIns="91425" bIns="91425" anchor="ctr" anchorCtr="0">
+            <a:noAutofit/>
+          </a:bodyPr>
+          <a:lstStyle/>
+          <a:p>
+            <a:pPr marL="0" lvl="0" indent="0" algn="l" rtl="0">
+              <a:spcBef>
+                <a:spcPts val="0"/>
+              </a:spcBef>
+              <a:spcAft>
+                <a:spcPts val="0"/>
+              </a:spcAft>
+              <a:buNone/>
+            </a:pPr>
+            <a:endParaRPr/>
+          </a:p>
+        </p:txBody>
+      </p:sp>
+      <p:sp>
+        <p:nvSpPr>
+          <p:cNvPr id="266" name="Google Shape;266;p37"/>
+          <p:cNvSpPr/>
+          <p:nvPr/>
+        </p:nvSpPr>
+        <p:spPr>
+          <a:xfrm>
+            <a:off x="8784000" y="4679884"/>
+            <a:ext cx="192900" cy="26400"/>
+          </a:xfrm>
+          <a:prstGeom prst="rect">
+            <a:avLst/>
+          </a:prstGeom>
+          <a:solidFill>
+            <a:schemeClr val="lt2"/>
+          </a:solidFill>
+          <a:ln>
+            <a:noFill/>
+          </a:ln>
+        </p:spPr>
+        <p:txBody>
+          <a:bodyPr spcFirstLastPara="1" wrap="square" lIns="91425" tIns="91425" rIns="91425" bIns="91425" anchor="ctr" anchorCtr="0">
+            <a:noAutofit/>
+          </a:bodyPr>
+          <a:lstStyle/>
+          <a:p>
+            <a:pPr marL="0" lvl="0" indent="0" algn="l" rtl="0">
+              <a:spcBef>
+                <a:spcPts val="0"/>
+              </a:spcBef>
+              <a:spcAft>
+                <a:spcPts val="0"/>
+              </a:spcAft>
+              <a:buNone/>
+            </a:pPr>
+            <a:endParaRPr/>
+          </a:p>
+        </p:txBody>
+      </p:sp>
+      <p:sp>
+        <p:nvSpPr>
+          <p:cNvPr id="267" name="Google Shape;267;p37"/>
+          <p:cNvSpPr/>
+          <p:nvPr/>
+        </p:nvSpPr>
+        <p:spPr>
+          <a:xfrm>
+            <a:off x="8784075" y="5101251"/>
+            <a:ext cx="192900" cy="26400"/>
+          </a:xfrm>
+          <a:prstGeom prst="rect">
+            <a:avLst/>
+          </a:prstGeom>
+          <a:solidFill>
+            <a:schemeClr val="lt2"/>
+          </a:solidFill>
+          <a:ln>
+            <a:noFill/>
+          </a:ln>
+        </p:spPr>
+        <p:txBody>
+          <a:bodyPr spcFirstLastPara="1" wrap="square" lIns="91425" tIns="91425" rIns="91425" bIns="91425" anchor="ctr" anchorCtr="0">
+            <a:noAutofit/>
+          </a:bodyPr>
+          <a:lstStyle/>
+          <a:p>
+            <a:pPr marL="0" lvl="0" indent="0" algn="l" rtl="0">
+              <a:spcBef>
+                <a:spcPts val="0"/>
+              </a:spcBef>
+              <a:spcAft>
+                <a:spcPts val="0"/>
+              </a:spcAft>
+              <a:buNone/>
+            </a:pPr>
+            <a:endParaRPr/>
+          </a:p>
+        </p:txBody>
+      </p:sp>
+      <p:sp>
+        <p:nvSpPr>
+          <p:cNvPr id="268" name="Google Shape;268;p37"/>
+          <p:cNvSpPr/>
+          <p:nvPr/>
+        </p:nvSpPr>
+        <p:spPr>
+          <a:xfrm>
+            <a:off x="8784075" y="5522617"/>
+            <a:ext cx="192900" cy="26400"/>
+          </a:xfrm>
+          <a:prstGeom prst="rect">
+            <a:avLst/>
+          </a:prstGeom>
+          <a:solidFill>
+            <a:schemeClr val="lt2"/>
+          </a:solidFill>
+          <a:ln>
+            <a:noFill/>
+          </a:ln>
+        </p:spPr>
+        <p:txBody>
+          <a:bodyPr spcFirstLastPara="1" wrap="square" lIns="91425" tIns="91425" rIns="91425" bIns="91425" anchor="ctr" anchorCtr="0">
+            <a:noAutofit/>
+          </a:bodyPr>
+          <a:lstStyle/>
+          <a:p>
+            <a:pPr marL="0" lvl="0" indent="0" algn="l" rtl="0">
+              <a:spcBef>
+                <a:spcPts val="0"/>
+              </a:spcBef>
+              <a:spcAft>
+                <a:spcPts val="0"/>
+              </a:spcAft>
+              <a:buNone/>
+            </a:pPr>
+            <a:endParaRPr/>
+          </a:p>
+        </p:txBody>
+      </p:sp>
+      <p:sp>
+        <p:nvSpPr>
+          <p:cNvPr id="269" name="Google Shape;269;p37"/>
+          <p:cNvSpPr/>
+          <p:nvPr/>
+        </p:nvSpPr>
+        <p:spPr>
+          <a:xfrm>
+            <a:off x="8784075" y="5943984"/>
+            <a:ext cx="192900" cy="26400"/>
+          </a:xfrm>
+          <a:prstGeom prst="rect">
+            <a:avLst/>
+          </a:prstGeom>
+          <a:solidFill>
+            <a:schemeClr val="lt2"/>
+          </a:solidFill>
+          <a:ln>
+            <a:noFill/>
+          </a:ln>
+        </p:spPr>
+        <p:txBody>
+          <a:bodyPr spcFirstLastPara="1" wrap="square" lIns="91425" tIns="91425" rIns="91425" bIns="91425" anchor="ctr" anchorCtr="0">
+            <a:noAutofit/>
+          </a:bodyPr>
+          <a:lstStyle/>
+          <a:p>
+            <a:pPr marL="0" lvl="0" indent="0" algn="l" rtl="0">
+              <a:spcBef>
+                <a:spcPts val="0"/>
+              </a:spcBef>
+              <a:spcAft>
+                <a:spcPts val="0"/>
+              </a:spcAft>
+              <a:buNone/>
+            </a:pPr>
+            <a:endParaRPr/>
+          </a:p>
+        </p:txBody>
+      </p:sp>
+      <p:pic>
+        <p:nvPicPr>
+          <p:cNvPr id="270" name="Google Shape;270;p37"/>
+          <p:cNvPicPr preferRelativeResize="0"/>
+          <p:nvPr/>
+        </p:nvPicPr>
+        <p:blipFill rotWithShape="1">
+          <a:blip r:embed="rId4">
+            <a:alphaModFix/>
+          </a:blip>
+          <a:srcRect/>
+          <a:stretch/>
+        </p:blipFill>
+        <p:spPr>
+          <a:xfrm>
+            <a:off x="7870454" y="312034"/>
+            <a:ext cx="1050920" cy="1326100"/>
+          </a:xfrm>
+          <a:prstGeom prst="rect">
+            <a:avLst/>
+          </a:prstGeom>
+          <a:noFill/>
+          <a:ln>
+            <a:noFill/>
+          </a:ln>
+        </p:spPr>
+      </p:pic>
+      <p:sp>
+        <p:nvSpPr>
+          <p:cNvPr id="271" name="Google Shape;271;p37"/>
+          <p:cNvSpPr txBox="1"/>
+          <p:nvPr/>
+        </p:nvSpPr>
+        <p:spPr>
+          <a:xfrm>
+            <a:off x="367325" y="1209168"/>
+            <a:ext cx="7376700" cy="2654384"/>
+          </a:xfrm>
+          <a:prstGeom prst="rect">
+            <a:avLst/>
+          </a:prstGeom>
+          <a:noFill/>
+          <a:ln>
+            <a:noFill/>
+          </a:ln>
+        </p:spPr>
+        <p:txBody>
+          <a:bodyPr spcFirstLastPara="1" wrap="square" lIns="91425" tIns="91425" rIns="91425" bIns="91425" anchor="t" anchorCtr="0">
+            <a:noAutofit/>
+          </a:bodyPr>
+          <a:lstStyle/>
+          <a:p>
+            <a:pPr marL="457200" marR="0" lvl="0" indent="-381000" algn="l" rtl="0">
+              <a:lnSpc>
+                <a:spcPct val="130000"/>
+              </a:lnSpc>
+              <a:spcBef>
+                <a:spcPts val="0"/>
+              </a:spcBef>
+              <a:spcAft>
+                <a:spcPts val="0"/>
+              </a:spcAft>
+              <a:buClr>
+                <a:schemeClr val="dk1"/>
+              </a:buClr>
+              <a:buSzPts val="2400"/>
+              <a:buFont typeface="Montserrat"/>
+              <a:buChar char="●"/>
+            </a:pPr>
+            <a:r>
+              <a:rPr lang="ru-RU" sz="2400" b="1" dirty="0" smtClean="0">
+                <a:solidFill>
+                  <a:schemeClr val="dk1"/>
+                </a:solidFill>
+                <a:highlight>
+                  <a:srgbClr val="FFFFFF"/>
+                </a:highlight>
+                <a:latin typeface="Montserrat"/>
+                <a:ea typeface="Montserrat"/>
+                <a:cs typeface="Montserrat"/>
+                <a:sym typeface="Montserrat"/>
+              </a:rPr>
+              <a:t>Вкладки</a:t>
+            </a:r>
+            <a:endParaRPr sz="2400" b="1" dirty="0">
+              <a:solidFill>
+                <a:schemeClr val="dk1"/>
+              </a:solidFill>
+              <a:highlight>
+                <a:srgbClr val="FFFFFF"/>
+              </a:highlight>
+              <a:latin typeface="Montserrat"/>
+              <a:ea typeface="Montserrat"/>
+              <a:cs typeface="Montserrat"/>
+              <a:sym typeface="Montserrat"/>
+            </a:endParaRPr>
+          </a:p>
+          <a:p>
+            <a:pPr marL="457200" marR="0" lvl="0" indent="-381000" algn="l" rtl="0">
+              <a:lnSpc>
+                <a:spcPct val="130000"/>
+              </a:lnSpc>
+              <a:spcBef>
+                <a:spcPts val="0"/>
+              </a:spcBef>
+              <a:spcAft>
+                <a:spcPts val="0"/>
+              </a:spcAft>
+              <a:buClr>
+                <a:schemeClr val="dk1"/>
+              </a:buClr>
+              <a:buSzPts val="2400"/>
+              <a:buFont typeface="Montserrat"/>
+              <a:buChar char="●"/>
+            </a:pPr>
+            <a:r>
+              <a:rPr lang="ru-RU" sz="2400" b="1" dirty="0" smtClean="0">
+                <a:solidFill>
+                  <a:schemeClr val="dk1"/>
+                </a:solidFill>
+                <a:highlight>
+                  <a:srgbClr val="FFFFFF"/>
+                </a:highlight>
+                <a:latin typeface="Montserrat"/>
+                <a:ea typeface="Montserrat"/>
+                <a:cs typeface="Montserrat"/>
+                <a:sym typeface="Montserrat"/>
+              </a:rPr>
+              <a:t>Ссылка на </a:t>
+            </a:r>
+            <a:r>
+              <a:rPr lang="en-US" sz="2400" b="1" dirty="0" smtClean="0">
+                <a:solidFill>
+                  <a:schemeClr val="dk1"/>
+                </a:solidFill>
+                <a:highlight>
+                  <a:srgbClr val="FFFFFF"/>
+                </a:highlight>
+                <a:latin typeface="Montserrat"/>
+                <a:ea typeface="Montserrat"/>
+                <a:cs typeface="Montserrat"/>
+                <a:sym typeface="Montserrat"/>
+              </a:rPr>
+              <a:t>GitHub </a:t>
+            </a:r>
+            <a:r>
+              <a:rPr lang="ru-RU" sz="2400" b="1" dirty="0" smtClean="0">
+                <a:solidFill>
+                  <a:schemeClr val="dk1"/>
+                </a:solidFill>
+                <a:highlight>
+                  <a:srgbClr val="FFFFFF"/>
+                </a:highlight>
+                <a:latin typeface="Montserrat"/>
+                <a:ea typeface="Montserrat"/>
+                <a:cs typeface="Montserrat"/>
+                <a:sym typeface="Montserrat"/>
+              </a:rPr>
+              <a:t>проекта</a:t>
+            </a:r>
+            <a:endParaRPr lang="ru-RU" sz="2400" dirty="0">
+              <a:solidFill>
+                <a:schemeClr val="dk1"/>
+              </a:solidFill>
+              <a:highlight>
+                <a:srgbClr val="FFFFFF"/>
+              </a:highlight>
+              <a:latin typeface="Montserrat"/>
+              <a:ea typeface="Montserrat"/>
+              <a:cs typeface="Montserrat"/>
+              <a:sym typeface="Montserrat"/>
+            </a:endParaRPr>
+          </a:p>
+          <a:p>
+            <a:pPr marL="76200" lvl="0">
+              <a:lnSpc>
+                <a:spcPct val="130000"/>
+              </a:lnSpc>
+              <a:buClr>
+                <a:schemeClr val="dk1"/>
+              </a:buClr>
+              <a:buSzPts val="2400"/>
+            </a:pPr>
+            <a:endParaRPr lang="ru-RU" sz="2400" dirty="0" smtClean="0">
+              <a:solidFill>
+                <a:schemeClr val="dk1"/>
+              </a:solidFill>
+              <a:highlight>
+                <a:srgbClr val="FFFFFF"/>
+              </a:highlight>
+              <a:latin typeface="Montserrat"/>
+              <a:ea typeface="Montserrat"/>
+              <a:cs typeface="Montserrat"/>
+              <a:sym typeface="Montserrat"/>
+            </a:endParaRPr>
+          </a:p>
+          <a:p>
+            <a:pPr marL="990600" lvl="2">
+              <a:lnSpc>
+                <a:spcPct val="130000"/>
+              </a:lnSpc>
+              <a:buClr>
+                <a:schemeClr val="dk1"/>
+              </a:buClr>
+              <a:buSzPts val="2400"/>
+            </a:pPr>
+            <a:endParaRPr lang="ru-RU" sz="2400" dirty="0" smtClean="0">
+              <a:solidFill>
+                <a:schemeClr val="dk1"/>
+              </a:solidFill>
+              <a:highlight>
+                <a:srgbClr val="FFFFFF"/>
+              </a:highlight>
+              <a:latin typeface="Montserrat"/>
+              <a:ea typeface="Montserrat"/>
+              <a:cs typeface="Montserrat"/>
+              <a:sym typeface="Montserrat"/>
+            </a:endParaRPr>
+          </a:p>
+          <a:p>
+            <a:pPr marL="990600" lvl="2">
+              <a:lnSpc>
+                <a:spcPct val="130000"/>
+              </a:lnSpc>
+              <a:buClr>
+                <a:schemeClr val="dk1"/>
+              </a:buClr>
+              <a:buSzPts val="2400"/>
+            </a:pPr>
+            <a:endParaRPr lang="ru-RU" sz="2400" dirty="0" smtClean="0">
+              <a:solidFill>
+                <a:schemeClr val="dk1"/>
+              </a:solidFill>
+              <a:highlight>
+                <a:srgbClr val="FFFFFF"/>
+              </a:highlight>
+              <a:latin typeface="Montserrat"/>
+              <a:ea typeface="Montserrat"/>
+              <a:cs typeface="Montserrat"/>
+              <a:sym typeface="Montserrat"/>
+            </a:endParaRPr>
+          </a:p>
+          <a:p>
+            <a:pPr marL="1371600" lvl="2" indent="-381000">
+              <a:lnSpc>
+                <a:spcPct val="130000"/>
+              </a:lnSpc>
+              <a:buClr>
+                <a:schemeClr val="dk1"/>
+              </a:buClr>
+              <a:buSzPts val="2400"/>
+              <a:buFont typeface="Montserrat"/>
+              <a:buChar char="●"/>
+            </a:pPr>
+            <a:endParaRPr lang="ru-RU" sz="2400" dirty="0" smtClean="0">
+              <a:solidFill>
+                <a:schemeClr val="dk1"/>
+              </a:solidFill>
+              <a:highlight>
+                <a:srgbClr val="FFFFFF"/>
+              </a:highlight>
+              <a:latin typeface="Montserrat"/>
+              <a:ea typeface="Montserrat"/>
+              <a:cs typeface="Montserrat"/>
+              <a:sym typeface="Montserrat"/>
+            </a:endParaRPr>
+          </a:p>
+          <a:p>
+            <a:pPr marL="533400" lvl="1">
+              <a:lnSpc>
+                <a:spcPct val="130000"/>
+              </a:lnSpc>
+              <a:buClr>
+                <a:schemeClr val="dk1"/>
+              </a:buClr>
+              <a:buSzPts val="2400"/>
+            </a:pPr>
+            <a:endParaRPr sz="2400" dirty="0">
+              <a:solidFill>
+                <a:schemeClr val="dk1"/>
+              </a:solidFill>
+              <a:highlight>
+                <a:srgbClr val="FFFFFF"/>
+              </a:highlight>
+              <a:latin typeface="Montserrat"/>
+              <a:ea typeface="Montserrat"/>
+              <a:cs typeface="Montserrat"/>
+              <a:sym typeface="Montserrat"/>
+            </a:endParaRPr>
+          </a:p>
+        </p:txBody>
+      </p:sp>
+    </p:spTree>
+    <p:extLst>
+      <p:ext uri="{BB962C8B-B14F-4D97-AF65-F5344CB8AC3E}">
+        <p14:creationId xmlns:p14="http://schemas.microsoft.com/office/powerpoint/2010/main" val="2527786235"/>
       </p:ext>
     </p:extLst>
   </p:cSld>
